--- a/public/publication/featured-flag.pptx
+++ b/public/publication/featured-flag.pptx
@@ -256,7 +256,7 @@
           <a:p>
             <a:fld id="{699082D2-728E-47B7-AA51-904213E59808}" type="datetimeFigureOut">
               <a:rPr lang="en-US" smtClean="0"/>
-              <a:t>1/17/2021</a:t>
+              <a:t>3/11/2021</a:t>
             </a:fld>
             <a:endParaRPr lang="en-US"/>
           </a:p>
@@ -426,7 +426,7 @@
           <a:p>
             <a:fld id="{699082D2-728E-47B7-AA51-904213E59808}" type="datetimeFigureOut">
               <a:rPr lang="en-US" smtClean="0"/>
-              <a:t>1/17/2021</a:t>
+              <a:t>3/11/2021</a:t>
             </a:fld>
             <a:endParaRPr lang="en-US"/>
           </a:p>
@@ -606,7 +606,7 @@
           <a:p>
             <a:fld id="{699082D2-728E-47B7-AA51-904213E59808}" type="datetimeFigureOut">
               <a:rPr lang="en-US" smtClean="0"/>
-              <a:t>1/17/2021</a:t>
+              <a:t>3/11/2021</a:t>
             </a:fld>
             <a:endParaRPr lang="en-US"/>
           </a:p>
@@ -776,7 +776,7 @@
           <a:p>
             <a:fld id="{699082D2-728E-47B7-AA51-904213E59808}" type="datetimeFigureOut">
               <a:rPr lang="en-US" smtClean="0"/>
-              <a:t>1/17/2021</a:t>
+              <a:t>3/11/2021</a:t>
             </a:fld>
             <a:endParaRPr lang="en-US"/>
           </a:p>
@@ -1020,7 +1020,7 @@
           <a:p>
             <a:fld id="{699082D2-728E-47B7-AA51-904213E59808}" type="datetimeFigureOut">
               <a:rPr lang="en-US" smtClean="0"/>
-              <a:t>1/17/2021</a:t>
+              <a:t>3/11/2021</a:t>
             </a:fld>
             <a:endParaRPr lang="en-US"/>
           </a:p>
@@ -1252,7 +1252,7 @@
           <a:p>
             <a:fld id="{699082D2-728E-47B7-AA51-904213E59808}" type="datetimeFigureOut">
               <a:rPr lang="en-US" smtClean="0"/>
-              <a:t>1/17/2021</a:t>
+              <a:t>3/11/2021</a:t>
             </a:fld>
             <a:endParaRPr lang="en-US"/>
           </a:p>
@@ -1619,7 +1619,7 @@
           <a:p>
             <a:fld id="{699082D2-728E-47B7-AA51-904213E59808}" type="datetimeFigureOut">
               <a:rPr lang="en-US" smtClean="0"/>
-              <a:t>1/17/2021</a:t>
+              <a:t>3/11/2021</a:t>
             </a:fld>
             <a:endParaRPr lang="en-US"/>
           </a:p>
@@ -1737,7 +1737,7 @@
           <a:p>
             <a:fld id="{699082D2-728E-47B7-AA51-904213E59808}" type="datetimeFigureOut">
               <a:rPr lang="en-US" smtClean="0"/>
-              <a:t>1/17/2021</a:t>
+              <a:t>3/11/2021</a:t>
             </a:fld>
             <a:endParaRPr lang="en-US"/>
           </a:p>
@@ -1832,7 +1832,7 @@
           <a:p>
             <a:fld id="{699082D2-728E-47B7-AA51-904213E59808}" type="datetimeFigureOut">
               <a:rPr lang="en-US" smtClean="0"/>
-              <a:t>1/17/2021</a:t>
+              <a:t>3/11/2021</a:t>
             </a:fld>
             <a:endParaRPr lang="en-US"/>
           </a:p>
@@ -2109,7 +2109,7 @@
           <a:p>
             <a:fld id="{699082D2-728E-47B7-AA51-904213E59808}" type="datetimeFigureOut">
               <a:rPr lang="en-US" smtClean="0"/>
-              <a:t>1/17/2021</a:t>
+              <a:t>3/11/2021</a:t>
             </a:fld>
             <a:endParaRPr lang="en-US"/>
           </a:p>
@@ -2366,7 +2366,7 @@
           <a:p>
             <a:fld id="{699082D2-728E-47B7-AA51-904213E59808}" type="datetimeFigureOut">
               <a:rPr lang="en-US" smtClean="0"/>
-              <a:t>1/17/2021</a:t>
+              <a:t>3/11/2021</a:t>
             </a:fld>
             <a:endParaRPr lang="en-US"/>
           </a:p>
@@ -2579,7 +2579,7 @@
           <a:p>
             <a:fld id="{699082D2-728E-47B7-AA51-904213E59808}" type="datetimeFigureOut">
               <a:rPr lang="en-US" smtClean="0"/>
-              <a:t>1/17/2021</a:t>
+              <a:t>3/11/2021</a:t>
             </a:fld>
             <a:endParaRPr lang="en-US"/>
           </a:p>
@@ -7028,6 +7028,24 @@
 </file>
 
 <file path=customXml/item1.xml><?xml version="1.0" encoding="utf-8"?>
+<p:properties xmlns:p="http://schemas.microsoft.com/office/2006/metadata/properties" xmlns:xsi="http://www.w3.org/2001/XMLSchema-instance" xmlns:pc="http://schemas.microsoft.com/office/infopath/2007/PartnerControls">
+  <documentManagement>
+    <_ip_UnifiedCompliancePolicyUIAction xmlns="http://schemas.microsoft.com/sharepoint/v3" xsi:nil="true"/>
+    <_ip_UnifiedCompliancePolicyProperties xmlns="http://schemas.microsoft.com/sharepoint/v3" xsi:nil="true"/>
+  </documentManagement>
+</p:properties>
+</file>
+
+<file path=customXml/item2.xml><?xml version="1.0" encoding="utf-8"?>
+<?mso-contentType ?>
+<FormTemplates xmlns="http://schemas.microsoft.com/sharepoint/v3/contenttype/forms">
+  <Display>DocumentLibraryForm</Display>
+  <Edit>DocumentLibraryForm</Edit>
+  <New>DocumentLibraryForm</New>
+</FormTemplates>
+</file>
+
+<file path=customXml/item3.xml><?xml version="1.0" encoding="utf-8"?>
 <ct:contentTypeSchema xmlns:ct="http://schemas.microsoft.com/office/2006/metadata/contentType" xmlns:ma="http://schemas.microsoft.com/office/2006/metadata/properties/metaAttributes" ct:_="" ma:_="" ma:contentTypeName="Document" ma:contentTypeID="0x01010007A4C25A60F58F4F9E2D77EB700D4DDD" ma:contentTypeVersion="15" ma:contentTypeDescription="Create a new document." ma:contentTypeScope="" ma:versionID="8710c4c97b9e130be92970e6791c71a6">
   <xsd:schema xmlns:xsd="http://www.w3.org/2001/XMLSchema" xmlns:xs="http://www.w3.org/2001/XMLSchema" xmlns:p="http://schemas.microsoft.com/office/2006/metadata/properties" xmlns:ns1="http://schemas.microsoft.com/sharepoint/v3" xmlns:ns3="216bde26-9634-4d6a-91fe-0c0c14b20b90" xmlns:ns4="c8e4db4b-48df-4a0d-a5ad-b048e586ef36" targetNamespace="http://schemas.microsoft.com/office/2006/metadata/properties" ma:root="true" ma:fieldsID="21a0cc795564e7308a3e331186d6c256" ns1:_="" ns3:_="" ns4:_="">
     <xsd:import namespace="http://schemas.microsoft.com/sharepoint/v3"/>
@@ -7267,25 +7285,25 @@
 </ct:contentTypeSchema>
 </file>
 
-<file path=customXml/item2.xml><?xml version="1.0" encoding="utf-8"?>
-<?mso-contentType ?>
-<FormTemplates xmlns="http://schemas.microsoft.com/sharepoint/v3/contenttype/forms">
-  <Display>DocumentLibraryForm</Display>
-  <Edit>DocumentLibraryForm</Edit>
-  <New>DocumentLibraryForm</New>
-</FormTemplates>
+<file path=customXml/itemProps1.xml><?xml version="1.0" encoding="utf-8"?>
+<ds:datastoreItem xmlns:ds="http://schemas.openxmlformats.org/officeDocument/2006/customXml" ds:itemID="{92329657-48FE-49A3-A424-7C5B871C3595}">
+  <ds:schemaRefs>
+    <ds:schemaRef ds:uri="http://schemas.microsoft.com/office/2006/metadata/properties"/>
+    <ds:schemaRef ds:uri="http://schemas.microsoft.com/office/infopath/2007/PartnerControls"/>
+    <ds:schemaRef ds:uri="http://schemas.microsoft.com/sharepoint/v3"/>
+  </ds:schemaRefs>
+</ds:datastoreItem>
 </file>
 
-<file path=customXml/item3.xml><?xml version="1.0" encoding="utf-8"?>
-<p:properties xmlns:p="http://schemas.microsoft.com/office/2006/metadata/properties" xmlns:xsi="http://www.w3.org/2001/XMLSchema-instance" xmlns:pc="http://schemas.microsoft.com/office/infopath/2007/PartnerControls">
-  <documentManagement>
-    <_ip_UnifiedCompliancePolicyUIAction xmlns="http://schemas.microsoft.com/sharepoint/v3" xsi:nil="true"/>
-    <_ip_UnifiedCompliancePolicyProperties xmlns="http://schemas.microsoft.com/sharepoint/v3" xsi:nil="true"/>
-  </documentManagement>
-</p:properties>
+<file path=customXml/itemProps2.xml><?xml version="1.0" encoding="utf-8"?>
+<ds:datastoreItem xmlns:ds="http://schemas.openxmlformats.org/officeDocument/2006/customXml" ds:itemID="{07AA66D3-A468-4FD2-B192-9E6BD79914F3}">
+  <ds:schemaRefs>
+    <ds:schemaRef ds:uri="http://schemas.microsoft.com/sharepoint/v3/contenttype/forms"/>
+  </ds:schemaRefs>
+</ds:datastoreItem>
 </file>
 
-<file path=customXml/itemProps1.xml><?xml version="1.0" encoding="utf-8"?>
+<file path=customXml/itemProps3.xml><?xml version="1.0" encoding="utf-8"?>
 <ds:datastoreItem xmlns:ds="http://schemas.openxmlformats.org/officeDocument/2006/customXml" ds:itemID="{8ABEFD2E-E45F-4181-A504-5D747E6F588B}">
   <ds:schemaRefs>
     <ds:schemaRef ds:uri="http://schemas.microsoft.com/office/2006/metadata/contentType"/>
@@ -7303,22 +7321,4 @@
     <ds:schemaRef ds:uri="http://schemas.microsoft.com/internal/obd"/>
   </ds:schemaRefs>
 </ds:datastoreItem>
-</file>
-
-<file path=customXml/itemProps2.xml><?xml version="1.0" encoding="utf-8"?>
-<ds:datastoreItem xmlns:ds="http://schemas.openxmlformats.org/officeDocument/2006/customXml" ds:itemID="{07AA66D3-A468-4FD2-B192-9E6BD79914F3}">
-  <ds:schemaRefs>
-    <ds:schemaRef ds:uri="http://schemas.microsoft.com/sharepoint/v3/contenttype/forms"/>
-  </ds:schemaRefs>
-</ds:datastoreItem>
-</file>
-
-<file path=customXml/itemProps3.xml><?xml version="1.0" encoding="utf-8"?>
-<ds:datastoreItem xmlns:ds="http://schemas.openxmlformats.org/officeDocument/2006/customXml" ds:itemID="{92329657-48FE-49A3-A424-7C5B871C3595}">
-  <ds:schemaRefs>
-    <ds:schemaRef ds:uri="http://schemas.microsoft.com/office/2006/metadata/properties"/>
-    <ds:schemaRef ds:uri="http://schemas.microsoft.com/office/infopath/2007/PartnerControls"/>
-    <ds:schemaRef ds:uri="http://schemas.microsoft.com/sharepoint/v3"/>
-  </ds:schemaRefs>
-</ds:datastoreItem>
 </file>